--- a/Apresentações/Apresentação2005.pptx
+++ b/Apresentações/Apresentação2005.pptx
@@ -305,7 +305,7 @@
           <a:p>
             <a:fld id="{CD4A1DA0-ED1F-AE48-8F8E-5D400FB10391}" type="datetimeFigureOut">
               <a:rPr lang="en-GB" smtClean="0"/>
-              <a:t>19/05/2020</a:t>
+              <a:t>20/05/2020</a:t>
             </a:fld>
             <a:endParaRPr lang="en-GB"/>
           </a:p>
@@ -643,7 +643,7 @@
           <a:p>
             <a:fld id="{CD4A1DA0-ED1F-AE48-8F8E-5D400FB10391}" type="datetimeFigureOut">
               <a:rPr lang="en-GB" smtClean="0"/>
-              <a:t>19/05/2020</a:t>
+              <a:t>20/05/2020</a:t>
             </a:fld>
             <a:endParaRPr lang="en-GB"/>
           </a:p>
@@ -1044,7 +1044,7 @@
           <a:p>
             <a:fld id="{CD4A1DA0-ED1F-AE48-8F8E-5D400FB10391}" type="datetimeFigureOut">
               <a:rPr lang="en-GB" smtClean="0"/>
-              <a:t>19/05/2020</a:t>
+              <a:t>20/05/2020</a:t>
             </a:fld>
             <a:endParaRPr lang="en-GB"/>
           </a:p>
@@ -1380,7 +1380,7 @@
           <a:p>
             <a:fld id="{CD4A1DA0-ED1F-AE48-8F8E-5D400FB10391}" type="datetimeFigureOut">
               <a:rPr lang="en-GB" smtClean="0"/>
-              <a:t>19/05/2020</a:t>
+              <a:t>20/05/2020</a:t>
             </a:fld>
             <a:endParaRPr lang="en-GB"/>
           </a:p>
@@ -1700,7 +1700,7 @@
           <a:p>
             <a:fld id="{CD4A1DA0-ED1F-AE48-8F8E-5D400FB10391}" type="datetimeFigureOut">
               <a:rPr lang="en-GB" smtClean="0"/>
-              <a:t>19/05/2020</a:t>
+              <a:t>20/05/2020</a:t>
             </a:fld>
             <a:endParaRPr lang="en-GB"/>
           </a:p>
@@ -2096,7 +2096,7 @@
           <a:p>
             <a:fld id="{CD4A1DA0-ED1F-AE48-8F8E-5D400FB10391}" type="datetimeFigureOut">
               <a:rPr lang="en-GB" smtClean="0"/>
-              <a:t>19/05/2020</a:t>
+              <a:t>20/05/2020</a:t>
             </a:fld>
             <a:endParaRPr lang="en-GB"/>
           </a:p>
@@ -2353,7 +2353,7 @@
           <a:p>
             <a:fld id="{CD4A1DA0-ED1F-AE48-8F8E-5D400FB10391}" type="datetimeFigureOut">
               <a:rPr lang="en-GB" smtClean="0"/>
-              <a:t>19/05/2020</a:t>
+              <a:t>20/05/2020</a:t>
             </a:fld>
             <a:endParaRPr lang="en-GB"/>
           </a:p>
@@ -2615,7 +2615,7 @@
           <a:p>
             <a:fld id="{CD4A1DA0-ED1F-AE48-8F8E-5D400FB10391}" type="datetimeFigureOut">
               <a:rPr lang="en-GB" smtClean="0"/>
-              <a:t>19/05/2020</a:t>
+              <a:t>20/05/2020</a:t>
             </a:fld>
             <a:endParaRPr lang="en-GB"/>
           </a:p>
@@ -2877,7 +2877,7 @@
           <a:p>
             <a:fld id="{CD4A1DA0-ED1F-AE48-8F8E-5D400FB10391}" type="datetimeFigureOut">
               <a:rPr lang="en-GB" smtClean="0"/>
-              <a:t>19/05/2020</a:t>
+              <a:t>20/05/2020</a:t>
             </a:fld>
             <a:endParaRPr lang="en-GB"/>
           </a:p>
@@ -3206,7 +3206,7 @@
           <a:p>
             <a:fld id="{CD4A1DA0-ED1F-AE48-8F8E-5D400FB10391}" type="datetimeFigureOut">
               <a:rPr lang="en-GB" smtClean="0"/>
-              <a:t>19/05/2020</a:t>
+              <a:t>20/05/2020</a:t>
             </a:fld>
             <a:endParaRPr lang="en-GB"/>
           </a:p>
@@ -3529,7 +3529,7 @@
           <a:p>
             <a:fld id="{CD4A1DA0-ED1F-AE48-8F8E-5D400FB10391}" type="datetimeFigureOut">
               <a:rPr lang="en-GB" smtClean="0"/>
-              <a:t>19/05/2020</a:t>
+              <a:t>20/05/2020</a:t>
             </a:fld>
             <a:endParaRPr lang="en-GB"/>
           </a:p>
@@ -3986,7 +3986,7 @@
           <a:p>
             <a:fld id="{CD4A1DA0-ED1F-AE48-8F8E-5D400FB10391}" type="datetimeFigureOut">
               <a:rPr lang="en-GB" smtClean="0"/>
-              <a:t>19/05/2020</a:t>
+              <a:t>20/05/2020</a:t>
             </a:fld>
             <a:endParaRPr lang="en-GB"/>
           </a:p>
@@ -4191,7 +4191,7 @@
           <a:p>
             <a:fld id="{CD4A1DA0-ED1F-AE48-8F8E-5D400FB10391}" type="datetimeFigureOut">
               <a:rPr lang="en-GB" smtClean="0"/>
-              <a:t>19/05/2020</a:t>
+              <a:t>20/05/2020</a:t>
             </a:fld>
             <a:endParaRPr lang="en-GB"/>
           </a:p>
@@ -4368,7 +4368,7 @@
           <a:p>
             <a:fld id="{CD4A1DA0-ED1F-AE48-8F8E-5D400FB10391}" type="datetimeFigureOut">
               <a:rPr lang="en-GB" smtClean="0"/>
-              <a:t>19/05/2020</a:t>
+              <a:t>20/05/2020</a:t>
             </a:fld>
             <a:endParaRPr lang="en-GB"/>
           </a:p>
@@ -4701,7 +4701,7 @@
           <a:p>
             <a:fld id="{CD4A1DA0-ED1F-AE48-8F8E-5D400FB10391}" type="datetimeFigureOut">
               <a:rPr lang="en-GB" smtClean="0"/>
-              <a:t>19/05/2020</a:t>
+              <a:t>20/05/2020</a:t>
             </a:fld>
             <a:endParaRPr lang="en-GB"/>
           </a:p>
@@ -5046,7 +5046,7 @@
           <a:p>
             <a:fld id="{CD4A1DA0-ED1F-AE48-8F8E-5D400FB10391}" type="datetimeFigureOut">
               <a:rPr lang="en-GB" smtClean="0"/>
-              <a:t>19/05/2020</a:t>
+              <a:t>20/05/2020</a:t>
             </a:fld>
             <a:endParaRPr lang="en-GB"/>
           </a:p>
@@ -7163,7 +7163,7 @@
           <a:p>
             <a:fld id="{CD4A1DA0-ED1F-AE48-8F8E-5D400FB10391}" type="datetimeFigureOut">
               <a:rPr lang="en-GB" smtClean="0"/>
-              <a:t>19/05/2020</a:t>
+              <a:t>20/05/2020</a:t>
             </a:fld>
             <a:endParaRPr lang="en-GB"/>
           </a:p>
@@ -8289,7 +8289,7 @@
         <p:spPr>
           <a:xfrm>
             <a:off x="1289017" y="1674674"/>
-            <a:ext cx="8663940" cy="2031325"/>
+            <a:ext cx="8663940" cy="3139321"/>
           </a:xfrm>
           <a:prstGeom prst="rect">
             <a:avLst/>
@@ -8302,9 +8302,13 @@
           </a:bodyPr>
           <a:lstStyle/>
           <a:p>
+            <a:pPr marL="285750" indent="-285750">
+              <a:buFontTx/>
+              <a:buChar char="-"/>
+            </a:pPr>
             <a:r>
               <a:rPr lang="pt-PT" dirty="0"/>
-              <a:t>- Para o dia 3 de junho planeamos concluir os Use Cases que estabelecemos no início do projeto. Como tal, pretendemos implementar os Use Cases relacionados com o término da sessão de um utilizador, marcar o início e conclusão de uma visita e alterar os dados de um utilizador. Para este efeito, mantemos a divisão de tarefas que tivemos até agora, com o Pedro e o Eduardo no </a:t>
+              <a:t>Para o dia 3 de junho planeamos concluir os Use Cases que estabelecemos no início do projeto. Como tal, pretendemos implementar os Use Cases relacionados com o término da sessão de um utilizador, marcar o início e conclusão de uma visita e alterar os dados de um utilizador. Para este efeito, mantemos a divisão de tarefas que tivemos até agora, com o Pedro e o Eduardo no </a:t>
             </a:r>
             <a:r>
               <a:rPr lang="pt-PT" i="1" dirty="0" err="1"/>
@@ -8341,6 +8345,35 @@
             <a:r>
               <a:rPr lang="pt-PT" i="1" dirty="0"/>
               <a:t>.</a:t>
+            </a:r>
+          </a:p>
+          <a:p>
+            <a:pPr marL="285750" indent="-285750">
+              <a:buFontTx/>
+              <a:buChar char="-"/>
+            </a:pPr>
+            <a:endParaRPr lang="pt-PT" i="1" dirty="0"/>
+          </a:p>
+          <a:p>
+            <a:pPr marL="285750" indent="-285750">
+              <a:buFontTx/>
+              <a:buChar char="-"/>
+            </a:pPr>
+            <a:r>
+              <a:rPr lang="pt-PT" i="1" dirty="0"/>
+              <a:t>+ espaço login deve ser único, correção das horas, remover as </a:t>
+            </a:r>
+            <a:r>
+              <a:rPr lang="pt-PT" i="1" dirty="0" err="1"/>
+              <a:t>timezones</a:t>
+            </a:r>
+            <a:r>
+              <a:rPr lang="pt-PT" i="1" dirty="0"/>
+              <a:t> e tal, meter umas ajudas nas várias cenas que se pode fazer no site porque não é intuitivo e FEEDBACK, demonstração do </a:t>
+            </a:r>
+            <a:r>
+              <a:rPr lang="pt-PT" i="1" dirty="0" err="1"/>
+              <a:t>backend</a:t>
             </a:r>
             <a:endParaRPr lang="pt-PT" dirty="0"/>
           </a:p>
